--- a/SDD 관련 자료/작업 결과물/프로그램 구조도(트랜스폼, 트랜젝션)/강의평가 질문 조회.pptx
+++ b/SDD 관련 자료/작업 결과물/프로그램 구조도(트랜스폼, 트랜젝션)/강의평가 질문 조회.pptx
@@ -5908,15 +5908,7 @@
                   <a:sysClr val="windowText" lastClr="000000"/>
                 </a:solidFill>
               </a:rPr>
-              <a:t>강의 평가 질문 </a:t>
-            </a:r>
-            <a:r>
-              <a:rPr lang="ko-KR" altLang="en-US" sz="1100" dirty="0" err="1" smtClean="0">
-                <a:solidFill>
-                  <a:sysClr val="windowText" lastClr="000000"/>
-                </a:solidFill>
-              </a:rPr>
-              <a:t>조회권한</a:t>
+              <a:t>권한 </a:t>
             </a:r>
             <a:r>
               <a:rPr lang="ko-KR" altLang="en-US" sz="1100" dirty="0" smtClean="0">
@@ -5924,7 +5916,7 @@
                   <a:sysClr val="windowText" lastClr="000000"/>
                 </a:solidFill>
               </a:rPr>
-              <a:t> 확인 오류 정보 출력</a:t>
+              <a:t>확인 오류 정보 출력</a:t>
             </a:r>
             <a:endParaRPr lang="ko-KR" altLang="en-US" sz="1100" dirty="0">
               <a:solidFill>
